--- a/docs/images/code_architecture.pptx
+++ b/docs/images/code_architecture.pptx
@@ -259,7 +259,7 @@
           <a:p>
             <a:fld id="{7E403C90-7864-4C40-A504-B46ABA4FB44B}" type="datetimeFigureOut">
               <a:rPr lang="en-US" smtClean="0"/>
-              <a:t>2/15/22</a:t>
+              <a:t>3/7/22</a:t>
             </a:fld>
             <a:endParaRPr lang="en-US"/>
           </a:p>
@@ -457,7 +457,7 @@
           <a:p>
             <a:fld id="{7E403C90-7864-4C40-A504-B46ABA4FB44B}" type="datetimeFigureOut">
               <a:rPr lang="en-US" smtClean="0"/>
-              <a:t>2/15/22</a:t>
+              <a:t>3/7/22</a:t>
             </a:fld>
             <a:endParaRPr lang="en-US"/>
           </a:p>
@@ -665,7 +665,7 @@
           <a:p>
             <a:fld id="{7E403C90-7864-4C40-A504-B46ABA4FB44B}" type="datetimeFigureOut">
               <a:rPr lang="en-US" smtClean="0"/>
-              <a:t>2/15/22</a:t>
+              <a:t>3/7/22</a:t>
             </a:fld>
             <a:endParaRPr lang="en-US"/>
           </a:p>
@@ -863,7 +863,7 @@
           <a:p>
             <a:fld id="{7E403C90-7864-4C40-A504-B46ABA4FB44B}" type="datetimeFigureOut">
               <a:rPr lang="en-US" smtClean="0"/>
-              <a:t>2/15/22</a:t>
+              <a:t>3/7/22</a:t>
             </a:fld>
             <a:endParaRPr lang="en-US"/>
           </a:p>
@@ -1138,7 +1138,7 @@
           <a:p>
             <a:fld id="{7E403C90-7864-4C40-A504-B46ABA4FB44B}" type="datetimeFigureOut">
               <a:rPr lang="en-US" smtClean="0"/>
-              <a:t>2/15/22</a:t>
+              <a:t>3/7/22</a:t>
             </a:fld>
             <a:endParaRPr lang="en-US"/>
           </a:p>
@@ -1403,7 +1403,7 @@
           <a:p>
             <a:fld id="{7E403C90-7864-4C40-A504-B46ABA4FB44B}" type="datetimeFigureOut">
               <a:rPr lang="en-US" smtClean="0"/>
-              <a:t>2/15/22</a:t>
+              <a:t>3/7/22</a:t>
             </a:fld>
             <a:endParaRPr lang="en-US"/>
           </a:p>
@@ -1815,7 +1815,7 @@
           <a:p>
             <a:fld id="{7E403C90-7864-4C40-A504-B46ABA4FB44B}" type="datetimeFigureOut">
               <a:rPr lang="en-US" smtClean="0"/>
-              <a:t>2/15/22</a:t>
+              <a:t>3/7/22</a:t>
             </a:fld>
             <a:endParaRPr lang="en-US"/>
           </a:p>
@@ -1956,7 +1956,7 @@
           <a:p>
             <a:fld id="{7E403C90-7864-4C40-A504-B46ABA4FB44B}" type="datetimeFigureOut">
               <a:rPr lang="en-US" smtClean="0"/>
-              <a:t>2/15/22</a:t>
+              <a:t>3/7/22</a:t>
             </a:fld>
             <a:endParaRPr lang="en-US"/>
           </a:p>
@@ -2069,7 +2069,7 @@
           <a:p>
             <a:fld id="{7E403C90-7864-4C40-A504-B46ABA4FB44B}" type="datetimeFigureOut">
               <a:rPr lang="en-US" smtClean="0"/>
-              <a:t>2/15/22</a:t>
+              <a:t>3/7/22</a:t>
             </a:fld>
             <a:endParaRPr lang="en-US"/>
           </a:p>
@@ -2380,7 +2380,7 @@
           <a:p>
             <a:fld id="{7E403C90-7864-4C40-A504-B46ABA4FB44B}" type="datetimeFigureOut">
               <a:rPr lang="en-US" smtClean="0"/>
-              <a:t>2/15/22</a:t>
+              <a:t>3/7/22</a:t>
             </a:fld>
             <a:endParaRPr lang="en-US"/>
           </a:p>
@@ -2668,7 +2668,7 @@
           <a:p>
             <a:fld id="{7E403C90-7864-4C40-A504-B46ABA4FB44B}" type="datetimeFigureOut">
               <a:rPr lang="en-US" smtClean="0"/>
-              <a:t>2/15/22</a:t>
+              <a:t>3/7/22</a:t>
             </a:fld>
             <a:endParaRPr lang="en-US"/>
           </a:p>
@@ -2909,7 +2909,7 @@
           <a:p>
             <a:fld id="{7E403C90-7864-4C40-A504-B46ABA4FB44B}" type="datetimeFigureOut">
               <a:rPr lang="en-US" smtClean="0"/>
-              <a:t>2/15/22</a:t>
+              <a:t>3/7/22</a:t>
             </a:fld>
             <a:endParaRPr lang="en-US"/>
           </a:p>
@@ -3328,10 +3328,10 @@
       </p:grpSpPr>
       <p:sp>
         <p:nvSpPr>
-          <p:cNvPr id="7" name="TextBox 6">
-            <a:extLst>
-              <a:ext uri="{FF2B5EF4-FFF2-40B4-BE49-F238E27FC236}">
-                <a16:creationId xmlns:a16="http://schemas.microsoft.com/office/drawing/2014/main" id="{343BDA1D-E751-0847-9154-D9844E3E321C}"/>
+          <p:cNvPr id="6" name="TextBox 5">
+            <a:extLst>
+              <a:ext uri="{FF2B5EF4-FFF2-40B4-BE49-F238E27FC236}">
+                <a16:creationId xmlns:a16="http://schemas.microsoft.com/office/drawing/2014/main" id="{AE0C458E-C9DC-9B49-A459-C57A72C11B11}"/>
               </a:ext>
             </a:extLst>
           </p:cNvPr>
@@ -3340,7 +3340,93 @@
         </p:nvSpPr>
         <p:spPr>
           <a:xfrm>
-            <a:off x="285135" y="322949"/>
+            <a:off x="4590789" y="1916362"/>
+            <a:ext cx="697627" cy="707886"/>
+          </a:xfrm>
+          <a:prstGeom prst="rect">
+            <a:avLst/>
+          </a:prstGeom>
+          <a:noFill/>
+        </p:spPr>
+        <p:txBody>
+          <a:bodyPr wrap="none" rtlCol="0">
+            <a:spAutoFit/>
+          </a:bodyPr>
+          <a:lstStyle/>
+          <a:p>
+            <a:r>
+              <a:rPr lang="en-US" sz="4000" b="1" dirty="0">
+                <a:solidFill>
+                  <a:schemeClr val="bg1">
+                    <a:lumMod val="85000"/>
+                  </a:schemeClr>
+                </a:solidFill>
+                <a:latin typeface="Arial" panose="020B0604020202020204" pitchFamily="34" charset="0"/>
+                <a:cs typeface="Arial" panose="020B0604020202020204" pitchFamily="34" charset="0"/>
+              </a:rPr>
+              <a:t>IN</a:t>
+            </a:r>
+          </a:p>
+        </p:txBody>
+      </p:sp>
+      <p:sp>
+        <p:nvSpPr>
+          <p:cNvPr id="224" name="TextBox 223">
+            <a:extLst>
+              <a:ext uri="{FF2B5EF4-FFF2-40B4-BE49-F238E27FC236}">
+                <a16:creationId xmlns:a16="http://schemas.microsoft.com/office/drawing/2014/main" id="{302DE4C5-2B3E-5644-94C8-E70F22AA836C}"/>
+              </a:ext>
+            </a:extLst>
+          </p:cNvPr>
+          <p:cNvSpPr txBox="1"/>
+          <p:nvPr/>
+        </p:nvSpPr>
+        <p:spPr>
+          <a:xfrm>
+            <a:off x="3217910" y="3146807"/>
+            <a:ext cx="1157689" cy="646331"/>
+          </a:xfrm>
+          <a:prstGeom prst="rect">
+            <a:avLst/>
+          </a:prstGeom>
+          <a:noFill/>
+        </p:spPr>
+        <p:txBody>
+          <a:bodyPr wrap="none" rtlCol="0">
+            <a:spAutoFit/>
+          </a:bodyPr>
+          <a:lstStyle/>
+          <a:p>
+            <a:r>
+              <a:rPr lang="en-US" sz="3600" b="1" dirty="0">
+                <a:solidFill>
+                  <a:schemeClr val="bg1">
+                    <a:lumMod val="85000"/>
+                  </a:schemeClr>
+                </a:solidFill>
+                <a:latin typeface="Arial" panose="020B0604020202020204" pitchFamily="34" charset="0"/>
+                <a:cs typeface="Arial" panose="020B0604020202020204" pitchFamily="34" charset="0"/>
+              </a:rPr>
+              <a:t>OUT</a:t>
+            </a:r>
+          </a:p>
+        </p:txBody>
+      </p:sp>
+      <p:sp>
+        <p:nvSpPr>
+          <p:cNvPr id="7" name="TextBox 6">
+            <a:extLst>
+              <a:ext uri="{FF2B5EF4-FFF2-40B4-BE49-F238E27FC236}">
+                <a16:creationId xmlns:a16="http://schemas.microsoft.com/office/drawing/2014/main" id="{343BDA1D-E751-0847-9154-D9844E3E321C}"/>
+              </a:ext>
+            </a:extLst>
+          </p:cNvPr>
+          <p:cNvSpPr txBox="1"/>
+          <p:nvPr/>
+        </p:nvSpPr>
+        <p:spPr>
+          <a:xfrm>
+            <a:off x="262852" y="46930"/>
             <a:ext cx="3863558" cy="523220"/>
           </a:xfrm>
           <a:prstGeom prst="rect">
@@ -3365,51 +3451,6 @@
           </a:p>
         </p:txBody>
       </p:sp>
-      <p:cxnSp>
-        <p:nvCxnSpPr>
-          <p:cNvPr id="96" name="Straight Arrow Connector 95">
-            <a:extLst>
-              <a:ext uri="{FF2B5EF4-FFF2-40B4-BE49-F238E27FC236}">
-                <a16:creationId xmlns:a16="http://schemas.microsoft.com/office/drawing/2014/main" id="{2751787F-A358-5F40-9CF8-274398AC8A36}"/>
-              </a:ext>
-            </a:extLst>
-          </p:cNvPr>
-          <p:cNvCxnSpPr>
-            <a:cxnSpLocks/>
-          </p:cNvCxnSpPr>
-          <p:nvPr/>
-        </p:nvCxnSpPr>
-        <p:spPr>
-          <a:xfrm flipH="1">
-            <a:off x="6363710" y="2466166"/>
-            <a:ext cx="2200611" cy="0"/>
-          </a:xfrm>
-          <a:prstGeom prst="straightConnector1">
-            <a:avLst/>
-          </a:prstGeom>
-          <a:ln w="19050" cap="sq">
-            <a:solidFill>
-              <a:srgbClr val="4730FC"/>
-            </a:solidFill>
-            <a:prstDash val="sysDot"/>
-            <a:tailEnd type="stealth" w="lg" len="med"/>
-          </a:ln>
-        </p:spPr>
-        <p:style>
-          <a:lnRef idx="1">
-            <a:schemeClr val="accent1"/>
-          </a:lnRef>
-          <a:fillRef idx="0">
-            <a:schemeClr val="accent1"/>
-          </a:fillRef>
-          <a:effectRef idx="0">
-            <a:schemeClr val="accent1"/>
-          </a:effectRef>
-          <a:fontRef idx="minor">
-            <a:schemeClr val="tx1"/>
-          </a:fontRef>
-        </p:style>
-      </p:cxnSp>
       <p:sp>
         <p:nvSpPr>
           <p:cNvPr id="97" name="TextBox 96">
@@ -3424,7 +3465,7 @@
         </p:nvSpPr>
         <p:spPr>
           <a:xfrm>
-            <a:off x="6064923" y="2073591"/>
+            <a:off x="6322144" y="3197599"/>
             <a:ext cx="2853145" cy="276999"/>
           </a:xfrm>
           <a:prstGeom prst="rect">
@@ -3486,22 +3527,23 @@
           </p:cNvPr>
           <p:cNvCxnSpPr>
             <a:cxnSpLocks/>
+            <a:endCxn id="222" idx="1"/>
           </p:cNvCxnSpPr>
           <p:nvPr/>
         </p:nvCxnSpPr>
         <p:spPr>
           <a:xfrm flipV="1">
-            <a:off x="6386338" y="2681199"/>
-            <a:ext cx="2177983" cy="12745"/>
+            <a:off x="6286535" y="3141721"/>
+            <a:ext cx="2889556" cy="11492"/>
           </a:xfrm>
           <a:prstGeom prst="straightConnector1">
             <a:avLst/>
           </a:prstGeom>
-          <a:ln w="19050" cap="sq">
+          <a:ln w="57150" cap="sq">
             <a:solidFill>
               <a:srgbClr val="4730FC"/>
             </a:solidFill>
-            <a:prstDash val="sysDot"/>
+            <a:prstDash val="solid"/>
             <a:tailEnd type="stealth" w="lg" len="med"/>
           </a:ln>
         </p:spPr>
@@ -3534,7 +3576,7 @@
         </p:nvSpPr>
         <p:spPr>
           <a:xfrm>
-            <a:off x="6420048" y="2694774"/>
+            <a:off x="6602548" y="3387061"/>
             <a:ext cx="2094324" cy="276999"/>
           </a:xfrm>
           <a:prstGeom prst="rect">
@@ -3564,52 +3606,6 @@
           </a:p>
         </p:txBody>
       </p:sp>
-      <p:cxnSp>
-        <p:nvCxnSpPr>
-          <p:cNvPr id="101" name="Straight Arrow Connector 100">
-            <a:extLst>
-              <a:ext uri="{FF2B5EF4-FFF2-40B4-BE49-F238E27FC236}">
-                <a16:creationId xmlns:a16="http://schemas.microsoft.com/office/drawing/2014/main" id="{FA667841-DAAD-394E-A711-B473AC8DE881}"/>
-              </a:ext>
-            </a:extLst>
-          </p:cNvPr>
-          <p:cNvCxnSpPr>
-            <a:cxnSpLocks/>
-            <a:stCxn id="163" idx="3"/>
-          </p:cNvCxnSpPr>
-          <p:nvPr/>
-        </p:nvCxnSpPr>
-        <p:spPr>
-          <a:xfrm>
-            <a:off x="2357920" y="2581796"/>
-            <a:ext cx="1396550" cy="0"/>
-          </a:xfrm>
-          <a:prstGeom prst="straightConnector1">
-            <a:avLst/>
-          </a:prstGeom>
-          <a:ln w="19050" cap="sq">
-            <a:solidFill>
-              <a:srgbClr val="4730FC"/>
-            </a:solidFill>
-            <a:prstDash val="sysDot"/>
-            <a:tailEnd type="stealth" w="lg" len="med"/>
-          </a:ln>
-        </p:spPr>
-        <p:style>
-          <a:lnRef idx="1">
-            <a:schemeClr val="accent1"/>
-          </a:lnRef>
-          <a:fillRef idx="0">
-            <a:schemeClr val="accent1"/>
-          </a:fillRef>
-          <a:effectRef idx="0">
-            <a:schemeClr val="accent1"/>
-          </a:effectRef>
-          <a:fontRef idx="minor">
-            <a:schemeClr val="tx1"/>
-          </a:fontRef>
-        </p:style>
-      </p:cxnSp>
       <p:sp>
         <p:nvSpPr>
           <p:cNvPr id="102" name="TextBox 101">
@@ -3624,7 +3620,7 @@
         </p:nvSpPr>
         <p:spPr>
           <a:xfrm>
-            <a:off x="3763287" y="3084526"/>
+            <a:off x="4220489" y="3629457"/>
             <a:ext cx="2282997" cy="523220"/>
           </a:xfrm>
           <a:prstGeom prst="rect">
@@ -3644,7 +3640,9 @@
                 <a:solidFill>
                   <a:srgbClr val="0070C0"/>
                 </a:solidFill>
-                <a:latin typeface=""/>
+                <a:latin typeface="Arial" panose="020B0604020202020204" pitchFamily="34" charset="0"/>
+                <a:ea typeface="Dotum" panose="020B0600000101010101" pitchFamily="34" charset="-127"/>
+                <a:cs typeface="Arial" panose="020B0604020202020204" pitchFamily="34" charset="0"/>
               </a:rPr>
               <a:t>Network-attached storage </a:t>
             </a:r>
@@ -3656,7 +3654,9 @@
                 <a:solidFill>
                   <a:srgbClr val="0070C0"/>
                 </a:solidFill>
-                <a:latin typeface=""/>
+                <a:latin typeface="Arial" panose="020B0604020202020204" pitchFamily="34" charset="0"/>
+                <a:ea typeface="Dotum" panose="020B0600000101010101" pitchFamily="34" charset="-127"/>
+                <a:cs typeface="Arial" panose="020B0604020202020204" pitchFamily="34" charset="0"/>
               </a:rPr>
               <a:t>NAS (NFS, SMB)</a:t>
             </a:r>
@@ -3677,8 +3677,8 @@
         </p:nvSpPr>
         <p:spPr>
           <a:xfrm>
-            <a:off x="926526" y="3084526"/>
-            <a:ext cx="1405808" cy="523220"/>
+            <a:off x="4126410" y="1613203"/>
+            <a:ext cx="2346958" cy="307777"/>
           </a:xfrm>
           <a:prstGeom prst="rect">
             <a:avLst/>
@@ -3695,23 +3695,25 @@
             <a:r>
               <a:rPr lang="en-US" sz="1400" dirty="0">
                 <a:solidFill>
-                  <a:srgbClr val="0070C0"/>
+                  <a:schemeClr val="tx1">
+                    <a:lumMod val="75000"/>
+                    <a:lumOff val="25000"/>
+                  </a:schemeClr>
                 </a:solidFill>
-                <a:latin typeface=""/>
+                <a:latin typeface="Arial Nova" panose="020B0504020202020204" pitchFamily="34" charset="0"/>
+                <a:cs typeface="Arial" panose="020B0604020202020204" pitchFamily="34" charset="0"/>
               </a:rPr>
               <a:t>Experiments</a:t>
             </a:r>
-          </a:p>
-          <a:p>
-            <a:pPr algn="ctr"/>
             <a:r>
               <a:rPr lang="en-US" sz="1400" dirty="0">
                 <a:solidFill>
                   <a:srgbClr val="0070C0"/>
                 </a:solidFill>
-                <a:latin typeface=""/>
+                <a:latin typeface="Arial Nova" panose="020B0504020202020204" pitchFamily="34" charset="0"/>
+                <a:cs typeface="Arial" panose="020B0604020202020204" pitchFamily="34" charset="0"/>
               </a:rPr>
-              <a:t>FISH images</a:t>
+              <a:t> FISH images</a:t>
             </a:r>
           </a:p>
         </p:txBody>
@@ -3730,7 +3732,7 @@
         </p:nvGrpSpPr>
         <p:grpSpPr>
           <a:xfrm>
-            <a:off x="1142493" y="2073969"/>
+            <a:off x="4810600" y="718347"/>
             <a:ext cx="1215427" cy="965027"/>
             <a:chOff x="2934671" y="1129165"/>
             <a:chExt cx="1215427" cy="965027"/>
@@ -3859,7 +3861,7 @@
         </p:nvGrpSpPr>
         <p:grpSpPr>
           <a:xfrm>
-            <a:off x="3937055" y="2143663"/>
+            <a:off x="4394256" y="2688594"/>
             <a:ext cx="1631954" cy="941221"/>
             <a:chOff x="5064121" y="1072715"/>
             <a:chExt cx="1631954" cy="941221"/>
@@ -6146,7 +6148,7 @@
         </p:nvSpPr>
         <p:spPr>
           <a:xfrm>
-            <a:off x="2440467" y="2259452"/>
+            <a:off x="2897668" y="2804383"/>
             <a:ext cx="1186178" cy="276999"/>
           </a:xfrm>
           <a:prstGeom prst="rect">
@@ -6191,17 +6193,17 @@
         </p:nvCxnSpPr>
         <p:spPr>
           <a:xfrm flipH="1">
-            <a:off x="6533147" y="4496538"/>
+            <a:off x="7005229" y="5514686"/>
             <a:ext cx="817059" cy="0"/>
           </a:xfrm>
           <a:prstGeom prst="straightConnector1">
             <a:avLst/>
           </a:prstGeom>
-          <a:ln w="19050" cap="sq">
+          <a:ln w="57150" cap="sq">
             <a:solidFill>
               <a:srgbClr val="4730FC"/>
             </a:solidFill>
-            <a:prstDash val="sysDot"/>
+            <a:prstDash val="solid"/>
             <a:tailEnd type="stealth" w="lg" len="med"/>
           </a:ln>
         </p:spPr>
@@ -6248,7 +6250,7 @@
         </p:blipFill>
         <p:spPr>
           <a:xfrm>
-            <a:off x="4084746" y="4473847"/>
+            <a:off x="4541947" y="5018778"/>
             <a:ext cx="990285" cy="990285"/>
           </a:xfrm>
           <a:prstGeom prst="rect">
@@ -6284,7 +6286,7 @@
         </p:blipFill>
         <p:spPr>
           <a:xfrm>
-            <a:off x="5124966" y="4336396"/>
+            <a:off x="5582167" y="4881327"/>
             <a:ext cx="592906" cy="592906"/>
           </a:xfrm>
           <a:prstGeom prst="rect">
@@ -6320,7 +6322,7 @@
         </p:blipFill>
         <p:spPr>
           <a:xfrm>
-            <a:off x="5547760" y="5000630"/>
+            <a:off x="6004961" y="5545561"/>
             <a:ext cx="592907" cy="592907"/>
           </a:xfrm>
           <a:prstGeom prst="rect">
@@ -6342,7 +6344,7 @@
         </p:nvSpPr>
         <p:spPr>
           <a:xfrm>
-            <a:off x="5059057" y="4830489"/>
+            <a:off x="5516258" y="5375420"/>
             <a:ext cx="824265" cy="276999"/>
           </a:xfrm>
           <a:prstGeom prst="rect">
@@ -6386,7 +6388,7 @@
         </p:nvSpPr>
         <p:spPr>
           <a:xfrm>
-            <a:off x="5409764" y="5477384"/>
+            <a:off x="5866965" y="6022315"/>
             <a:ext cx="944489" cy="276999"/>
           </a:xfrm>
           <a:prstGeom prst="rect">
@@ -6430,7 +6432,7 @@
         </p:nvSpPr>
         <p:spPr>
           <a:xfrm>
-            <a:off x="4102671" y="5781734"/>
+            <a:off x="4559872" y="6326665"/>
             <a:ext cx="1767192" cy="307777"/>
           </a:xfrm>
           <a:prstGeom prst="rect">
@@ -6474,17 +6476,17 @@
         </p:nvCxnSpPr>
         <p:spPr>
           <a:xfrm flipV="1">
-            <a:off x="4904785" y="3607746"/>
-            <a:ext cx="1" cy="728651"/>
+            <a:off x="5361986" y="4152677"/>
+            <a:ext cx="2" cy="728651"/>
           </a:xfrm>
           <a:prstGeom prst="straightConnector1">
             <a:avLst/>
           </a:prstGeom>
-          <a:ln w="19050" cap="sq">
+          <a:ln w="57150" cap="sq">
             <a:solidFill>
               <a:srgbClr val="4730FC"/>
             </a:solidFill>
-            <a:prstDash val="sysDot"/>
+            <a:prstDash val="solid"/>
             <a:tailEnd type="stealth" w="lg" len="med"/>
           </a:ln>
         </p:spPr>
@@ -6517,7 +6519,7 @@
         </p:nvSpPr>
         <p:spPr>
           <a:xfrm>
-            <a:off x="4716325" y="3825975"/>
+            <a:off x="5173526" y="4370906"/>
             <a:ext cx="1689185" cy="276999"/>
           </a:xfrm>
           <a:prstGeom prst="rect">
@@ -6561,7 +6563,7 @@
         </p:nvSpPr>
         <p:spPr>
           <a:xfrm>
-            <a:off x="8541454" y="5749275"/>
+            <a:off x="8998655" y="6294206"/>
             <a:ext cx="1596912" cy="307777"/>
           </a:xfrm>
           <a:prstGeom prst="rect">
@@ -6599,22 +6601,23 @@
           </p:cNvPr>
           <p:cNvCxnSpPr>
             <a:cxnSpLocks/>
+            <a:stCxn id="221" idx="2"/>
           </p:cNvCxnSpPr>
           <p:nvPr/>
         </p:nvCxnSpPr>
         <p:spPr>
           <a:xfrm>
-            <a:off x="9502207" y="3434946"/>
-            <a:ext cx="1" cy="641033"/>
+            <a:off x="9979214" y="4152677"/>
+            <a:ext cx="0" cy="737607"/>
           </a:xfrm>
           <a:prstGeom prst="straightConnector1">
             <a:avLst/>
           </a:prstGeom>
-          <a:ln w="19050" cap="sq">
+          <a:ln w="57150" cap="sq">
             <a:solidFill>
               <a:srgbClr val="4730FC"/>
             </a:solidFill>
-            <a:prstDash val="sysDot"/>
+            <a:prstDash val="solid"/>
             <a:tailEnd type="stealth" w="lg" len="med"/>
           </a:ln>
         </p:spPr>
@@ -6661,7 +6664,7 @@
         </p:blipFill>
         <p:spPr>
           <a:xfrm>
-            <a:off x="9012146" y="2175282"/>
+            <a:off x="9469347" y="2720213"/>
             <a:ext cx="914400" cy="914400"/>
           </a:xfrm>
           <a:prstGeom prst="rect">
@@ -6669,182 +6672,42 @@
           </a:prstGeom>
         </p:spPr>
       </p:pic>
-      <p:grpSp>
-        <p:nvGrpSpPr>
-          <p:cNvPr id="182" name="Group 181">
-            <a:extLst>
-              <a:ext uri="{FF2B5EF4-FFF2-40B4-BE49-F238E27FC236}">
-                <a16:creationId xmlns:a16="http://schemas.microsoft.com/office/drawing/2014/main" id="{8B8E313B-88D5-D74C-9049-77B9FB4786C1}"/>
-              </a:ext>
-            </a:extLst>
-          </p:cNvPr>
-          <p:cNvGrpSpPr/>
+      <p:pic>
+        <p:nvPicPr>
+          <p:cNvPr id="186" name="Graphic 185" descr="Programmer male with solid fill">
+            <a:extLst>
+              <a:ext uri="{FF2B5EF4-FFF2-40B4-BE49-F238E27FC236}">
+                <a16:creationId xmlns:a16="http://schemas.microsoft.com/office/drawing/2014/main" id="{5A3F9FAE-2A42-894B-904D-B20BF0FEED1A}"/>
+              </a:ext>
+            </a:extLst>
+          </p:cNvPr>
+          <p:cNvPicPr>
+            <a:picLocks noChangeAspect="1"/>
+          </p:cNvPicPr>
           <p:nvPr/>
-        </p:nvGrpSpPr>
-        <p:grpSpPr>
+        </p:nvPicPr>
+        <p:blipFill>
+          <a:blip r:embed="rId20">
+            <a:extLst>
+              <a:ext uri="{96DAC541-7B7A-43D3-8B79-37D633B846F1}">
+                <asvg:svgBlip xmlns:asvg="http://schemas.microsoft.com/office/drawing/2016/SVG/main" r:embed="rId21"/>
+              </a:ext>
+            </a:extLst>
+          </a:blip>
+          <a:stretch>
+            <a:fillRect/>
+          </a:stretch>
+        </p:blipFill>
+        <p:spPr>
           <a:xfrm>
-            <a:off x="8369040" y="690132"/>
-            <a:ext cx="2200611" cy="1494771"/>
-            <a:chOff x="8369040" y="1013696"/>
-            <a:chExt cx="2200611" cy="1494771"/>
+            <a:off x="9919062" y="2777965"/>
+            <a:ext cx="726200" cy="726200"/>
           </a:xfrm>
-        </p:grpSpPr>
-        <p:grpSp>
-          <p:nvGrpSpPr>
-            <p:cNvPr id="183" name="Group 182">
-              <a:extLst>
-                <a:ext uri="{FF2B5EF4-FFF2-40B4-BE49-F238E27FC236}">
-                  <a16:creationId xmlns:a16="http://schemas.microsoft.com/office/drawing/2014/main" id="{9467CB03-6B77-B947-8CCB-639D056404A0}"/>
-                </a:ext>
-              </a:extLst>
-            </p:cNvPr>
-            <p:cNvGrpSpPr/>
-            <p:nvPr/>
-          </p:nvGrpSpPr>
-          <p:grpSpPr>
-            <a:xfrm>
-              <a:off x="8369040" y="1013696"/>
-              <a:ext cx="2200611" cy="1161188"/>
-              <a:chOff x="8369040" y="1013696"/>
-              <a:chExt cx="2200611" cy="1161188"/>
-            </a:xfrm>
-          </p:grpSpPr>
-          <p:sp>
-            <p:nvSpPr>
-              <p:cNvPr id="185" name="TextBox 184">
-                <a:extLst>
-                  <a:ext uri="{FF2B5EF4-FFF2-40B4-BE49-F238E27FC236}">
-                    <a16:creationId xmlns:a16="http://schemas.microsoft.com/office/drawing/2014/main" id="{F4CE679F-5F65-9B4F-92AB-BEE01479F813}"/>
-                  </a:ext>
-                </a:extLst>
-              </p:cNvPr>
-              <p:cNvSpPr txBox="1"/>
-              <p:nvPr/>
-            </p:nvSpPr>
-            <p:spPr>
-              <a:xfrm>
-                <a:off x="8369040" y="1897885"/>
-                <a:ext cx="2200611" cy="276999"/>
-              </a:xfrm>
-              <a:prstGeom prst="rect">
-                <a:avLst/>
-              </a:prstGeom>
-              <a:noFill/>
-            </p:spPr>
-            <p:txBody>
-              <a:bodyPr wrap="square">
-                <a:spAutoFit/>
-              </a:bodyPr>
-              <a:lstStyle/>
-              <a:p>
-                <a:pPr algn="ctr"/>
-                <a:r>
-                  <a:rPr lang="en-US" sz="1200" dirty="0">
-                    <a:solidFill>
-                      <a:schemeClr val="tx1">
-                        <a:lumMod val="75000"/>
-                        <a:lumOff val="25000"/>
-                      </a:schemeClr>
-                    </a:solidFill>
-                    <a:latin typeface=""/>
-                  </a:rPr>
-                  <a:t>Secure Shell </a:t>
-                </a:r>
-                <a:r>
-                  <a:rPr lang="en-US" sz="1200" b="1" dirty="0">
-                    <a:solidFill>
-                      <a:srgbClr val="0070C0"/>
-                    </a:solidFill>
-                    <a:latin typeface=""/>
-                  </a:rPr>
-                  <a:t>(SSH) protocol </a:t>
-                </a:r>
-              </a:p>
-            </p:txBody>
-          </p:sp>
-          <p:pic>
-            <p:nvPicPr>
-              <p:cNvPr id="186" name="Graphic 185" descr="Programmer male with solid fill">
-                <a:extLst>
-                  <a:ext uri="{FF2B5EF4-FFF2-40B4-BE49-F238E27FC236}">
-                    <a16:creationId xmlns:a16="http://schemas.microsoft.com/office/drawing/2014/main" id="{5A3F9FAE-2A42-894B-904D-B20BF0FEED1A}"/>
-                  </a:ext>
-                </a:extLst>
-              </p:cNvPr>
-              <p:cNvPicPr>
-                <a:picLocks noChangeAspect="1"/>
-              </p:cNvPicPr>
-              <p:nvPr/>
-            </p:nvPicPr>
-            <p:blipFill>
-              <a:blip r:embed="rId20">
-                <a:extLst>
-                  <a:ext uri="{96DAC541-7B7A-43D3-8B79-37D633B846F1}">
-                    <asvg:svgBlip xmlns:asvg="http://schemas.microsoft.com/office/drawing/2016/SVG/main" r:embed="rId21"/>
-                  </a:ext>
-                </a:extLst>
-              </a:blip>
-              <a:stretch>
-                <a:fillRect/>
-              </a:stretch>
-            </p:blipFill>
-            <p:spPr>
-              <a:xfrm>
-                <a:off x="9070385" y="1013696"/>
-                <a:ext cx="914400" cy="914400"/>
-              </a:xfrm>
-              <a:prstGeom prst="rect">
-                <a:avLst/>
-              </a:prstGeom>
-            </p:spPr>
-          </p:pic>
-        </p:grpSp>
-        <p:cxnSp>
-          <p:nvCxnSpPr>
-            <p:cNvPr id="184" name="Straight Arrow Connector 183">
-              <a:extLst>
-                <a:ext uri="{FF2B5EF4-FFF2-40B4-BE49-F238E27FC236}">
-                  <a16:creationId xmlns:a16="http://schemas.microsoft.com/office/drawing/2014/main" id="{7E8D5AAA-B033-AB4A-8AA1-75FA9ECC3A38}"/>
-                </a:ext>
-              </a:extLst>
-            </p:cNvPr>
-            <p:cNvCxnSpPr>
-              <a:cxnSpLocks/>
-            </p:cNvCxnSpPr>
-            <p:nvPr/>
-          </p:nvCxnSpPr>
-          <p:spPr>
-            <a:xfrm>
-              <a:off x="9508060" y="2174607"/>
-              <a:ext cx="0" cy="333860"/>
-            </a:xfrm>
-            <a:prstGeom prst="straightConnector1">
-              <a:avLst/>
-            </a:prstGeom>
-            <a:ln w="28575" cap="sq">
-              <a:solidFill>
-                <a:srgbClr val="FC4330"/>
-              </a:solidFill>
-              <a:prstDash val="solid"/>
-              <a:tailEnd type="stealth" w="lg" len="med"/>
-            </a:ln>
-          </p:spPr>
-          <p:style>
-            <a:lnRef idx="1">
-              <a:schemeClr val="accent1"/>
-            </a:lnRef>
-            <a:fillRef idx="0">
-              <a:schemeClr val="accent1"/>
-            </a:fillRef>
-            <a:effectRef idx="0">
-              <a:schemeClr val="accent1"/>
-            </a:effectRef>
-            <a:fontRef idx="minor">
-              <a:schemeClr val="tx1"/>
-            </a:fontRef>
-          </p:style>
-        </p:cxnSp>
-      </p:grpSp>
+          <a:prstGeom prst="rect">
+            <a:avLst/>
+          </a:prstGeom>
+        </p:spPr>
+      </p:pic>
       <p:pic>
         <p:nvPicPr>
           <p:cNvPr id="187" name="Graphic 186" descr="Document with solid fill">
@@ -6873,7 +6736,7 @@
         </p:blipFill>
         <p:spPr>
           <a:xfrm>
-            <a:off x="5854472" y="4345353"/>
+            <a:off x="6311673" y="4890284"/>
             <a:ext cx="592906" cy="592906"/>
           </a:xfrm>
           <a:prstGeom prst="rect">
@@ -6895,7 +6758,7 @@
         </p:nvSpPr>
         <p:spPr>
           <a:xfrm>
-            <a:off x="5954474" y="4839446"/>
+            <a:off x="6411675" y="5384377"/>
             <a:ext cx="492443" cy="276999"/>
           </a:xfrm>
           <a:prstGeom prst="rect">
@@ -6953,7 +6816,7 @@
         </p:blipFill>
         <p:spPr>
           <a:xfrm rot="6830865">
-            <a:off x="7535501" y="4651402"/>
+            <a:off x="7992702" y="5406533"/>
             <a:ext cx="430719" cy="430719"/>
           </a:xfrm>
           <a:prstGeom prst="rect">
@@ -6977,7 +6840,7 @@
         </p:nvGrpSpPr>
         <p:grpSpPr>
           <a:xfrm>
-            <a:off x="7792129" y="4315313"/>
+            <a:off x="8249330" y="5070444"/>
             <a:ext cx="620424" cy="606096"/>
             <a:chOff x="1278675" y="2029522"/>
             <a:chExt cx="1609491" cy="1572321"/>
@@ -7268,7 +7131,7 @@
         </p:nvSpPr>
         <p:spPr>
           <a:xfrm>
-            <a:off x="7480309" y="4239882"/>
+            <a:off x="7937510" y="4995013"/>
             <a:ext cx="1087817" cy="868204"/>
           </a:xfrm>
           <a:prstGeom prst="rect">
@@ -7339,7 +7202,7 @@
         </p:nvSpPr>
         <p:spPr>
           <a:xfrm>
-            <a:off x="7448799" y="5143928"/>
+            <a:off x="7906000" y="5899059"/>
             <a:ext cx="1130438" cy="276999"/>
           </a:xfrm>
           <a:prstGeom prst="rect">
@@ -7406,8 +7269,8 @@
         </p:nvSpPr>
         <p:spPr>
           <a:xfrm>
-            <a:off x="8675305" y="5143928"/>
-            <a:ext cx="1329210" cy="461665"/>
+            <a:off x="9132506" y="5899059"/>
+            <a:ext cx="1329210" cy="276999"/>
           </a:xfrm>
           <a:prstGeom prst="rect">
             <a:avLst/>
@@ -7457,44 +7320,6 @@
               <a:t>Spot detection</a:t>
             </a:r>
           </a:p>
-          <a:p>
-            <a:pPr marL="0" marR="0" lvl="0" indent="0" algn="ctr" defTabSz="914400" eaLnBrk="1" fontAlgn="auto" latinLnBrk="0" hangingPunct="1">
-              <a:lnSpc>
-                <a:spcPct val="100000"/>
-              </a:lnSpc>
-              <a:spcBef>
-                <a:spcPts val="0"/>
-              </a:spcBef>
-              <a:spcAft>
-                <a:spcPts val="0"/>
-              </a:spcAft>
-              <a:buClrTx/>
-              <a:buSzTx/>
-              <a:buFontTx/>
-              <a:buNone/>
-              <a:tabLst/>
-              <a:defRPr/>
-            </a:pPr>
-            <a:r>
-              <a:rPr kumimoji="0" lang="en-US" sz="1200" b="0" i="0" u="none" strike="noStrike" kern="0" cap="none" spc="0" normalizeH="0" baseline="0" noProof="0" dirty="0">
-                <a:ln>
-                  <a:noFill/>
-                </a:ln>
-                <a:solidFill>
-                  <a:schemeClr val="tx1">
-                    <a:lumMod val="75000"/>
-                    <a:lumOff val="25000"/>
-                  </a:schemeClr>
-                </a:solidFill>
-                <a:effectLst/>
-                <a:uLnTx/>
-                <a:uFillTx/>
-                <a:latin typeface="Arial" panose="020B0604020202020204" pitchFamily="34" charset="0"/>
-                <a:cs typeface="Arial" panose="020B0604020202020204" pitchFamily="34" charset="0"/>
-              </a:rPr>
-              <a:t>and tracking</a:t>
-            </a:r>
-          </a:p>
         </p:txBody>
       </p:sp>
       <p:grpSp>
@@ -7513,7 +7338,7 @@
         </p:nvGrpSpPr>
         <p:grpSpPr>
           <a:xfrm>
-            <a:off x="9029961" y="4368653"/>
+            <a:off x="9487162" y="5123784"/>
             <a:ext cx="620424" cy="606096"/>
             <a:chOff x="1278675" y="2029522"/>
             <a:chExt cx="1609491" cy="1572321"/>
@@ -7803,7 +7628,7 @@
         </p:nvSpPr>
         <p:spPr>
           <a:xfrm>
-            <a:off x="8801853" y="4235271"/>
+            <a:off x="9259054" y="4990402"/>
             <a:ext cx="1087817" cy="868204"/>
           </a:xfrm>
           <a:prstGeom prst="rect">
@@ -7888,7 +7713,7 @@
         </p:blipFill>
         <p:spPr>
           <a:xfrm>
-            <a:off x="9292856" y="4399414"/>
+            <a:off x="9750057" y="5154545"/>
             <a:ext cx="245226" cy="245226"/>
           </a:xfrm>
           <a:prstGeom prst="rect">
@@ -7924,7 +7749,7 @@
         </p:blipFill>
         <p:spPr>
           <a:xfrm>
-            <a:off x="9242328" y="4677588"/>
+            <a:off x="9699529" y="5432719"/>
             <a:ext cx="245226" cy="245226"/>
           </a:xfrm>
           <a:prstGeom prst="rect">
@@ -7960,7 +7785,7 @@
         </p:blipFill>
         <p:spPr>
           <a:xfrm>
-            <a:off x="9029055" y="4506852"/>
+            <a:off x="9486256" y="5261983"/>
             <a:ext cx="245226" cy="245226"/>
           </a:xfrm>
           <a:prstGeom prst="rect">
@@ -7984,7 +7809,7 @@
         </p:nvGrpSpPr>
         <p:grpSpPr>
           <a:xfrm>
-            <a:off x="10343523" y="4363591"/>
+            <a:off x="10800724" y="5118722"/>
             <a:ext cx="620424" cy="606096"/>
             <a:chOff x="1278675" y="2029522"/>
             <a:chExt cx="1609491" cy="1572321"/>
@@ -8274,7 +8099,7 @@
         </p:nvSpPr>
         <p:spPr>
           <a:xfrm>
-            <a:off x="10115415" y="4230209"/>
+            <a:off x="10572616" y="4985340"/>
             <a:ext cx="1087817" cy="868204"/>
           </a:xfrm>
           <a:prstGeom prst="rect">
@@ -8359,7 +8184,7 @@
         </p:blipFill>
         <p:spPr>
           <a:xfrm>
-            <a:off x="10406967" y="4423497"/>
+            <a:off x="10864168" y="5178628"/>
             <a:ext cx="509856" cy="509856"/>
           </a:xfrm>
           <a:prstGeom prst="rect">
@@ -8381,8 +8206,8 @@
         </p:nvSpPr>
         <p:spPr>
           <a:xfrm>
-            <a:off x="9988340" y="5143928"/>
-            <a:ext cx="1313001" cy="461665"/>
+            <a:off x="10445541" y="5899059"/>
+            <a:ext cx="1504721" cy="276999"/>
           </a:xfrm>
           <a:prstGeom prst="rect">
             <a:avLst/>
@@ -8413,38 +8238,6 @@
               <a:defRPr/>
             </a:pPr>
             <a:r>
-              <a:rPr lang="en-US" sz="1200" kern="0" dirty="0">
-                <a:solidFill>
-                  <a:schemeClr val="tx1">
-                    <a:lumMod val="75000"/>
-                    <a:lumOff val="25000"/>
-                  </a:schemeClr>
-                </a:solidFill>
-                <a:latin typeface="Arial" panose="020B0604020202020204" pitchFamily="34" charset="0"/>
-                <a:cs typeface="Arial" panose="020B0604020202020204" pitchFamily="34" charset="0"/>
-              </a:rPr>
-              <a:t>D</a:t>
-            </a:r>
-            <a:r>
-              <a:rPr kumimoji="0" lang="en-US" sz="1200" b="0" i="0" u="none" strike="noStrike" kern="0" cap="none" spc="0" normalizeH="0" baseline="0" noProof="0" dirty="0" err="1">
-                <a:ln>
-                  <a:noFill/>
-                </a:ln>
-                <a:solidFill>
-                  <a:schemeClr val="tx1">
-                    <a:lumMod val="75000"/>
-                    <a:lumOff val="25000"/>
-                  </a:schemeClr>
-                </a:solidFill>
-                <a:effectLst/>
-                <a:uLnTx/>
-                <a:uFillTx/>
-                <a:latin typeface="Arial" panose="020B0604020202020204" pitchFamily="34" charset="0"/>
-                <a:cs typeface="Arial" panose="020B0604020202020204" pitchFamily="34" charset="0"/>
-              </a:rPr>
-              <a:t>ata</a:t>
-            </a:r>
-            <a:r>
               <a:rPr kumimoji="0" lang="en-US" sz="1200" b="0" i="0" u="none" strike="noStrike" kern="0" cap="none" spc="0" normalizeH="0" baseline="0" noProof="0" dirty="0">
                 <a:ln>
                   <a:noFill/>
@@ -8461,7 +8254,7 @@
                 <a:latin typeface="Arial" panose="020B0604020202020204" pitchFamily="34" charset="0"/>
                 <a:cs typeface="Arial" panose="020B0604020202020204" pitchFamily="34" charset="0"/>
               </a:rPr>
-              <a:t> management</a:t>
+              <a:t>Data management</a:t>
             </a:r>
           </a:p>
         </p:txBody>
@@ -8480,8 +8273,8 @@
         </p:nvSpPr>
         <p:spPr>
           <a:xfrm>
-            <a:off x="8878247" y="3145403"/>
-            <a:ext cx="1287533" cy="307777"/>
+            <a:off x="8766382" y="3629457"/>
+            <a:ext cx="2425664" cy="523220"/>
           </a:xfrm>
           <a:prstGeom prst="rect">
             <a:avLst/>
@@ -8502,7 +8295,19 @@
                 </a:solidFill>
                 <a:latin typeface=""/>
               </a:rPr>
-              <a:t>remote server</a:t>
+              <a:t>Secure Shell (SSH) protocol</a:t>
+            </a:r>
+          </a:p>
+          <a:p>
+            <a:pPr algn="ctr"/>
+            <a:r>
+              <a:rPr lang="en-US" sz="1400" dirty="0">
+                <a:solidFill>
+                  <a:srgbClr val="0070C0"/>
+                </a:solidFill>
+                <a:latin typeface=""/>
+              </a:rPr>
+              <a:t>remote server </a:t>
             </a:r>
           </a:p>
         </p:txBody>
@@ -8535,7 +8340,7 @@
         </p:blipFill>
         <p:spPr>
           <a:xfrm>
-            <a:off x="9017060" y="2258858"/>
+            <a:off x="9176091" y="2684521"/>
             <a:ext cx="914400" cy="914400"/>
           </a:xfrm>
           <a:prstGeom prst="rect">
@@ -8543,6 +8348,278 @@
           </a:prstGeom>
         </p:spPr>
       </p:pic>
+      <p:cxnSp>
+        <p:nvCxnSpPr>
+          <p:cNvPr id="176" name="Straight Arrow Connector 175">
+            <a:extLst>
+              <a:ext uri="{FF2B5EF4-FFF2-40B4-BE49-F238E27FC236}">
+                <a16:creationId xmlns:a16="http://schemas.microsoft.com/office/drawing/2014/main" id="{BD2C01A0-1D55-5948-8D8D-EE2821F0CB6F}"/>
+              </a:ext>
+            </a:extLst>
+          </p:cNvPr>
+          <p:cNvCxnSpPr>
+            <a:cxnSpLocks/>
+            <a:stCxn id="103" idx="2"/>
+          </p:cNvCxnSpPr>
+          <p:nvPr/>
+        </p:nvCxnSpPr>
+        <p:spPr>
+          <a:xfrm>
+            <a:off x="5299889" y="1920980"/>
+            <a:ext cx="0" cy="794435"/>
+          </a:xfrm>
+          <a:prstGeom prst="straightConnector1">
+            <a:avLst/>
+          </a:prstGeom>
+          <a:ln w="57150" cap="sq">
+            <a:solidFill>
+              <a:srgbClr val="FC4330"/>
+            </a:solidFill>
+            <a:prstDash val="solid"/>
+            <a:tailEnd type="stealth" w="lg" len="med"/>
+          </a:ln>
+        </p:spPr>
+        <p:style>
+          <a:lnRef idx="1">
+            <a:schemeClr val="accent1"/>
+          </a:lnRef>
+          <a:fillRef idx="0">
+            <a:schemeClr val="accent1"/>
+          </a:fillRef>
+          <a:effectRef idx="0">
+            <a:schemeClr val="accent1"/>
+          </a:effectRef>
+          <a:fontRef idx="minor">
+            <a:schemeClr val="tx1"/>
+          </a:fontRef>
+        </p:style>
+      </p:cxnSp>
+      <p:grpSp>
+        <p:nvGrpSpPr>
+          <p:cNvPr id="180" name="Group 179">
+            <a:extLst>
+              <a:ext uri="{FF2B5EF4-FFF2-40B4-BE49-F238E27FC236}">
+                <a16:creationId xmlns:a16="http://schemas.microsoft.com/office/drawing/2014/main" id="{66F34048-17D6-154A-A413-0DE1735A9C84}"/>
+              </a:ext>
+            </a:extLst>
+          </p:cNvPr>
+          <p:cNvGrpSpPr/>
+          <p:nvPr/>
+        </p:nvGrpSpPr>
+        <p:grpSpPr>
+          <a:xfrm>
+            <a:off x="1791547" y="2661660"/>
+            <a:ext cx="499218" cy="954495"/>
+            <a:chOff x="2934671" y="1129165"/>
+            <a:chExt cx="499218" cy="954495"/>
+          </a:xfrm>
+        </p:grpSpPr>
+        <p:pic>
+          <p:nvPicPr>
+            <p:cNvPr id="200" name="Graphic 199" descr="Scientist female with solid fill">
+              <a:extLst>
+                <a:ext uri="{FF2B5EF4-FFF2-40B4-BE49-F238E27FC236}">
+                  <a16:creationId xmlns:a16="http://schemas.microsoft.com/office/drawing/2014/main" id="{022A13C2-D165-C941-9F8F-F49177FD652D}"/>
+                </a:ext>
+              </a:extLst>
+            </p:cNvPr>
+            <p:cNvPicPr>
+              <a:picLocks noChangeAspect="1"/>
+            </p:cNvPicPr>
+            <p:nvPr/>
+          </p:nvPicPr>
+          <p:blipFill>
+            <a:blip r:embed="rId4">
+              <a:extLst>
+                <a:ext uri="{96DAC541-7B7A-43D3-8B79-37D633B846F1}">
+                  <asvg:svgBlip xmlns:asvg="http://schemas.microsoft.com/office/drawing/2016/SVG/main" r:embed="rId5"/>
+                </a:ext>
+              </a:extLst>
+            </a:blip>
+            <a:stretch>
+              <a:fillRect/>
+            </a:stretch>
+          </p:blipFill>
+          <p:spPr>
+            <a:xfrm>
+              <a:off x="2934671" y="1129165"/>
+              <a:ext cx="499218" cy="499218"/>
+            </a:xfrm>
+            <a:prstGeom prst="rect">
+              <a:avLst/>
+            </a:prstGeom>
+          </p:spPr>
+        </p:pic>
+        <p:pic>
+          <p:nvPicPr>
+            <p:cNvPr id="211" name="Graphic 210" descr="Scientist male with solid fill">
+              <a:extLst>
+                <a:ext uri="{FF2B5EF4-FFF2-40B4-BE49-F238E27FC236}">
+                  <a16:creationId xmlns:a16="http://schemas.microsoft.com/office/drawing/2014/main" id="{6AEC8A8F-7006-9444-961A-87B5D0BEE949}"/>
+                </a:ext>
+              </a:extLst>
+            </p:cNvPr>
+            <p:cNvPicPr>
+              <a:picLocks noChangeAspect="1"/>
+            </p:cNvPicPr>
+            <p:nvPr/>
+          </p:nvPicPr>
+          <p:blipFill>
+            <a:blip r:embed="rId6">
+              <a:extLst>
+                <a:ext uri="{96DAC541-7B7A-43D3-8B79-37D633B846F1}">
+                  <asvg:svgBlip xmlns:asvg="http://schemas.microsoft.com/office/drawing/2016/SVG/main" r:embed="rId7"/>
+                </a:ext>
+              </a:extLst>
+            </a:blip>
+            <a:stretch>
+              <a:fillRect/>
+            </a:stretch>
+          </p:blipFill>
+          <p:spPr>
+            <a:xfrm>
+              <a:off x="2934671" y="1584442"/>
+              <a:ext cx="499218" cy="499218"/>
+            </a:xfrm>
+            <a:prstGeom prst="rect">
+              <a:avLst/>
+            </a:prstGeom>
+          </p:spPr>
+        </p:pic>
+      </p:grpSp>
+      <p:cxnSp>
+        <p:nvCxnSpPr>
+          <p:cNvPr id="223" name="Straight Arrow Connector 222">
+            <a:extLst>
+              <a:ext uri="{FF2B5EF4-FFF2-40B4-BE49-F238E27FC236}">
+                <a16:creationId xmlns:a16="http://schemas.microsoft.com/office/drawing/2014/main" id="{9B777ADF-D908-5148-82C8-A4FF80AB5F6F}"/>
+              </a:ext>
+            </a:extLst>
+          </p:cNvPr>
+          <p:cNvCxnSpPr>
+            <a:cxnSpLocks/>
+          </p:cNvCxnSpPr>
+          <p:nvPr/>
+        </p:nvCxnSpPr>
+        <p:spPr>
+          <a:xfrm flipH="1">
+            <a:off x="3196225" y="3158166"/>
+            <a:ext cx="1044273" cy="0"/>
+          </a:xfrm>
+          <a:prstGeom prst="straightConnector1">
+            <a:avLst/>
+          </a:prstGeom>
+          <a:ln w="57150" cap="sq">
+            <a:solidFill>
+              <a:srgbClr val="FC4330"/>
+            </a:solidFill>
+            <a:prstDash val="solid"/>
+            <a:tailEnd type="stealth" w="lg" len="med"/>
+          </a:ln>
+        </p:spPr>
+        <p:style>
+          <a:lnRef idx="1">
+            <a:schemeClr val="accent1"/>
+          </a:lnRef>
+          <a:fillRef idx="0">
+            <a:schemeClr val="accent1"/>
+          </a:fillRef>
+          <a:effectRef idx="0">
+            <a:schemeClr val="accent1"/>
+          </a:effectRef>
+          <a:fontRef idx="minor">
+            <a:schemeClr val="tx1"/>
+          </a:fontRef>
+        </p:style>
+      </p:cxnSp>
+      <p:pic>
+        <p:nvPicPr>
+          <p:cNvPr id="14" name="Graphic 13" descr="Folder Search with solid fill">
+            <a:extLst>
+              <a:ext uri="{FF2B5EF4-FFF2-40B4-BE49-F238E27FC236}">
+                <a16:creationId xmlns:a16="http://schemas.microsoft.com/office/drawing/2014/main" id="{B037D4FC-8675-444C-B067-5643FB478A50}"/>
+              </a:ext>
+            </a:extLst>
+          </p:cNvPr>
+          <p:cNvPicPr>
+            <a:picLocks noChangeAspect="1"/>
+          </p:cNvPicPr>
+          <p:nvPr/>
+        </p:nvPicPr>
+        <p:blipFill>
+          <a:blip r:embed="rId35">
+            <a:extLst>
+              <a:ext uri="{96DAC541-7B7A-43D3-8B79-37D633B846F1}">
+                <asvg:svgBlip xmlns:asvg="http://schemas.microsoft.com/office/drawing/2016/SVG/main" r:embed="rId36"/>
+              </a:ext>
+            </a:extLst>
+          </a:blip>
+          <a:stretch>
+            <a:fillRect/>
+          </a:stretch>
+        </p:blipFill>
+        <p:spPr>
+          <a:xfrm>
+            <a:off x="2181271" y="2759768"/>
+            <a:ext cx="914400" cy="914400"/>
+          </a:xfrm>
+          <a:prstGeom prst="rect">
+            <a:avLst/>
+          </a:prstGeom>
+        </p:spPr>
+      </p:pic>
+      <p:sp>
+        <p:nvSpPr>
+          <p:cNvPr id="225" name="TextBox 224">
+            <a:extLst>
+              <a:ext uri="{FF2B5EF4-FFF2-40B4-BE49-F238E27FC236}">
+                <a16:creationId xmlns:a16="http://schemas.microsoft.com/office/drawing/2014/main" id="{747BB4E3-5758-2843-966F-1590AAFE510C}"/>
+              </a:ext>
+            </a:extLst>
+          </p:cNvPr>
+          <p:cNvSpPr txBox="1"/>
+          <p:nvPr/>
+        </p:nvSpPr>
+        <p:spPr>
+          <a:xfrm>
+            <a:off x="1385305" y="3723560"/>
+            <a:ext cx="1810920" cy="307777"/>
+          </a:xfrm>
+          <a:prstGeom prst="rect">
+            <a:avLst/>
+          </a:prstGeom>
+          <a:noFill/>
+        </p:spPr>
+        <p:txBody>
+          <a:bodyPr wrap="square" rtlCol="0">
+            <a:spAutoFit/>
+          </a:bodyPr>
+          <a:lstStyle/>
+          <a:p>
+            <a:pPr algn="ctr"/>
+            <a:r>
+              <a:rPr lang="en-US" sz="1400" dirty="0">
+                <a:solidFill>
+                  <a:schemeClr val="tx1">
+                    <a:lumMod val="75000"/>
+                    <a:lumOff val="25000"/>
+                  </a:schemeClr>
+                </a:solidFill>
+                <a:latin typeface="Arial Nova" panose="020B0504020202020204" pitchFamily="34" charset="0"/>
+                <a:cs typeface="Arial" panose="020B0604020202020204" pitchFamily="34" charset="0"/>
+              </a:rPr>
+              <a:t>Data interpretation</a:t>
+            </a:r>
+            <a:endParaRPr lang="en-US" sz="1400" dirty="0">
+              <a:solidFill>
+                <a:srgbClr val="0070C0"/>
+              </a:solidFill>
+              <a:latin typeface="Arial Nova" panose="020B0504020202020204" pitchFamily="34" charset="0"/>
+              <a:cs typeface="Arial" panose="020B0604020202020204" pitchFamily="34" charset="0"/>
+            </a:endParaRPr>
+          </a:p>
+        </p:txBody>
+      </p:sp>
     </p:spTree>
     <p:extLst>
       <p:ext uri="{BB962C8B-B14F-4D97-AF65-F5344CB8AC3E}">
